--- a/01_studies/01_Laborstudie ProVisioNET/Scripts/2_script_provisionet_AL.pptx
+++ b/01_studies/01_Laborstudie ProVisioNET/Scripts/2_script_provisionet_AL.pptx
@@ -140,6 +140,35 @@
 </p:presentation>
 </file>
 
+<file path=ppt/changesInfos/changesInfo1.xml><?xml version="1.0" encoding="utf-8"?>
+<pc:chgInfo xmlns:a="http://schemas.openxmlformats.org/drawingml/2006/main" xmlns:r="http://schemas.openxmlformats.org/officeDocument/2006/relationships" xmlns:ac="http://schemas.microsoft.com/office/drawing/2013/main/command" xmlns:pc="http://schemas.microsoft.com/office/powerpoint/2013/main/command">
+  <pc:docChgLst>
+    <pc:chgData userId="505858402c07da9d" providerId="LiveId" clId="{66971B90-8C46-4963-BFBF-D218CF05FD62}"/>
+    <pc:docChg chg="modSld">
+      <pc:chgData name="" userId="505858402c07da9d" providerId="LiveId" clId="{66971B90-8C46-4963-BFBF-D218CF05FD62}" dt="2022-04-26T12:57:27.450" v="5" actId="20577"/>
+      <pc:docMkLst>
+        <pc:docMk/>
+      </pc:docMkLst>
+      <pc:sldChg chg="modSp">
+        <pc:chgData name="" userId="505858402c07da9d" providerId="LiveId" clId="{66971B90-8C46-4963-BFBF-D218CF05FD62}" dt="2022-04-26T12:57:27.450" v="5" actId="20577"/>
+        <pc:sldMkLst>
+          <pc:docMk/>
+          <pc:sldMk cId="943054453" sldId="321"/>
+        </pc:sldMkLst>
+        <pc:spChg chg="mod">
+          <ac:chgData name="" userId="505858402c07da9d" providerId="LiveId" clId="{66971B90-8C46-4963-BFBF-D218CF05FD62}" dt="2022-04-26T12:57:27.450" v="5" actId="20577"/>
+          <ac:spMkLst>
+            <pc:docMk/>
+            <pc:sldMk cId="943054453" sldId="321"/>
+            <ac:spMk id="3" creationId="{812430C6-A41D-40E1-B1C1-E863DFF58269}"/>
+          </ac:spMkLst>
+        </pc:spChg>
+      </pc:sldChg>
+    </pc:docChg>
+  </pc:docChgLst>
+</pc:chgInfo>
+</file>
+
 <file path=ppt/slideLayouts/slideLayout1.xml><?xml version="1.0" encoding="utf-8"?>
 <p:sldLayout xmlns:a="http://schemas.openxmlformats.org/drawingml/2006/main" xmlns:r="http://schemas.openxmlformats.org/officeDocument/2006/relationships" xmlns:p="http://schemas.openxmlformats.org/presentationml/2006/main" showMasterSp="0" type="title" preserve="1">
   <p:cSld name="Titelfolie">
@@ -367,7 +396,7 @@
             <a:fld id="{87DE6118-2437-4B30-8E3C-4D2BE6020583}" type="datetimeFigureOut">
               <a:rPr lang="en-US" smtClean="0"/>
               <a:pPr/>
-              <a:t>6/17/2021</a:t>
+              <a:t>4/26/2022</a:t>
             </a:fld>
             <a:endParaRPr lang="en-US" dirty="0"/>
           </a:p>
@@ -584,7 +613,7 @@
           <a:p>
             <a:fld id="{87DE6118-2437-4B30-8E3C-4D2BE6020583}" type="datetimeFigureOut">
               <a:rPr lang="en-US" smtClean="0"/>
-              <a:t>6/17/2021</a:t>
+              <a:t>4/26/2022</a:t>
             </a:fld>
             <a:endParaRPr lang="en-US" dirty="0"/>
           </a:p>
@@ -848,7 +877,7 @@
           <a:p>
             <a:fld id="{87DE6118-2437-4B30-8E3C-4D2BE6020583}" type="datetimeFigureOut">
               <a:rPr lang="en-US" smtClean="0"/>
-              <a:t>6/17/2021</a:t>
+              <a:t>4/26/2022</a:t>
             </a:fld>
             <a:endParaRPr lang="en-US" dirty="0"/>
           </a:p>
@@ -1026,7 +1055,7 @@
           <a:p>
             <a:fld id="{87DE6118-2437-4B30-8E3C-4D2BE6020583}" type="datetimeFigureOut">
               <a:rPr lang="en-US" smtClean="0"/>
-              <a:t>6/17/2021</a:t>
+              <a:t>4/26/2022</a:t>
             </a:fld>
             <a:endParaRPr lang="en-US" dirty="0"/>
           </a:p>
@@ -1378,7 +1407,7 @@
             <a:fld id="{87DE6118-2437-4B30-8E3C-4D2BE6020583}" type="datetimeFigureOut">
               <a:rPr lang="en-US" smtClean="0"/>
               <a:pPr/>
-              <a:t>6/17/2021</a:t>
+              <a:t>4/26/2022</a:t>
             </a:fld>
             <a:endParaRPr lang="en-US" dirty="0"/>
           </a:p>
@@ -1662,7 +1691,7 @@
           <a:p>
             <a:fld id="{87DE6118-2437-4B30-8E3C-4D2BE6020583}" type="datetimeFigureOut">
               <a:rPr lang="en-US" smtClean="0"/>
-              <a:t>6/17/2021</a:t>
+              <a:t>4/26/2022</a:t>
             </a:fld>
             <a:endParaRPr lang="en-US" dirty="0"/>
           </a:p>
@@ -2049,7 +2078,7 @@
           <a:p>
             <a:fld id="{87DE6118-2437-4B30-8E3C-4D2BE6020583}" type="datetimeFigureOut">
               <a:rPr lang="en-US" smtClean="0"/>
-              <a:t>6/17/2021</a:t>
+              <a:t>4/26/2022</a:t>
             </a:fld>
             <a:endParaRPr lang="en-US" dirty="0"/>
           </a:p>
@@ -2175,7 +2204,7 @@
           <a:p>
             <a:fld id="{87DE6118-2437-4B30-8E3C-4D2BE6020583}" type="datetimeFigureOut">
               <a:rPr lang="en-US" smtClean="0"/>
-              <a:t>6/17/2021</a:t>
+              <a:t>4/26/2022</a:t>
             </a:fld>
             <a:endParaRPr lang="en-US" dirty="0"/>
           </a:p>
@@ -2354,7 +2383,7 @@
           <a:p>
             <a:fld id="{87DE6118-2437-4B30-8E3C-4D2BE6020583}" type="datetimeFigureOut">
               <a:rPr lang="en-US" smtClean="0"/>
-              <a:t>6/17/2021</a:t>
+              <a:t>4/26/2022</a:t>
             </a:fld>
             <a:endParaRPr lang="en-US" dirty="0"/>
           </a:p>
@@ -2717,7 +2746,7 @@
             <a:fld id="{87DE6118-2437-4B30-8E3C-4D2BE6020583}" type="datetimeFigureOut">
               <a:rPr lang="en-US" smtClean="0"/>
               <a:pPr/>
-              <a:t>6/17/2021</a:t>
+              <a:t>4/26/2022</a:t>
             </a:fld>
             <a:endParaRPr lang="en-US" dirty="0"/>
           </a:p>
@@ -3104,7 +3133,7 @@
             <a:fld id="{87DE6118-2437-4B30-8E3C-4D2BE6020583}" type="datetimeFigureOut">
               <a:rPr lang="en-US" smtClean="0"/>
               <a:pPr/>
-              <a:t>6/17/2021</a:t>
+              <a:t>4/26/2022</a:t>
             </a:fld>
             <a:endParaRPr lang="en-US" dirty="0"/>
           </a:p>
@@ -3401,7 +3430,7 @@
             <a:fld id="{87DE6118-2437-4B30-8E3C-4D2BE6020583}" type="datetimeFigureOut">
               <a:rPr lang="en-US" smtClean="0"/>
               <a:pPr/>
-              <a:t>6/17/2021</a:t>
+              <a:t>4/26/2022</a:t>
             </a:fld>
             <a:endParaRPr lang="en-US" dirty="0"/>
           </a:p>
@@ -7037,8 +7066,12 @@
           <a:p>
             <a:pPr algn="ctr"/>
             <a:r>
+              <a:rPr lang="de-DE" sz="5400"/>
+              <a:t>Bianca liest Nachrichten </a:t>
+            </a:r>
+            <a:r>
               <a:rPr lang="de-DE" sz="5400" dirty="0"/>
-              <a:t>Bianca Nachrichten auf dem Handy.</a:t>
+              <a:t>auf dem Handy.</a:t>
             </a:r>
             <a:endParaRPr lang="de-DE" sz="5400" i="1" dirty="0"/>
           </a:p>
